--- a/azure-functions/examples/Mustermann, Max_DE_240209.pptx
+++ b/azure-functions/examples/Mustermann, Max_DE_240209.pptx
@@ -244,7 +244,7 @@
           <a:p>
             <a:fld id="{03225DF0-5E4A-495E-AD8C-CC8FDC636079}" type="datetimeFigureOut">
               <a:rPr lang="de-DE" smtClean="0"/>
-              <a:t>30.05.25</a:t>
+              <a:t>12.06.25</a:t>
             </a:fld>
             <a:endParaRPr lang="de-DE"/>
           </a:p>
@@ -421,7 +421,7 @@
           <a:p>
             <a:fld id="{4A5B1B49-9609-4E63-A375-FC459FA5B93F}" type="datetimeFigureOut">
               <a:rPr lang="de-DE" smtClean="0"/>
-              <a:t>30.05.25</a:t>
+              <a:t>12.06.25</a:t>
             </a:fld>
             <a:endParaRPr lang="de-DE"/>
           </a:p>
@@ -836,7 +836,7 @@
             <a:fld id="{7FF13BA3-4DBD-492F-AF1C-C76B12832872}" type="datetime1">
               <a:rPr lang="de-DE" smtClean="0"/>
               <a:pPr/>
-              <a:t>30.05.25</a:t>
+              <a:t>12.06.25</a:t>
             </a:fld>
             <a:endParaRPr lang="en-DE"/>
           </a:p>
@@ -1019,7 +1019,7 @@
             <a:fld id="{7FF13BA3-4DBD-492F-AF1C-C76B12832872}" type="datetime1">
               <a:rPr lang="de-DE" smtClean="0"/>
               <a:pPr/>
-              <a:t>30.05.25</a:t>
+              <a:t>12.06.25</a:t>
             </a:fld>
             <a:endParaRPr lang="en-DE"/>
           </a:p>
@@ -4285,7 +4285,7 @@
             <a:fld id="{7FF13BA3-4DBD-492F-AF1C-C76B12832872}" type="datetime1">
               <a:rPr lang="de-DE" smtClean="0"/>
               <a:pPr/>
-              <a:t>30.05.25</a:t>
+              <a:t>12.06.25</a:t>
             </a:fld>
             <a:endParaRPr lang="en-DE"/>
           </a:p>
@@ -7555,7 +7555,7 @@
             <a:fld id="{2AA97715-E243-44FB-A4DF-8B24568E8B84}" type="datetime1">
               <a:rPr lang="de-DE" smtClean="0"/>
               <a:pPr/>
-              <a:t>30.05.25</a:t>
+              <a:t>12.06.25</a:t>
             </a:fld>
             <a:endParaRPr lang="en-DE"/>
           </a:p>
@@ -10079,7 +10079,7 @@
             <a:fld id="{7FF13BA3-4DBD-492F-AF1C-C76B12832872}" type="datetime1">
               <a:rPr lang="de-DE" smtClean="0"/>
               <a:pPr/>
-              <a:t>30.05.25</a:t>
+              <a:t>12.06.25</a:t>
             </a:fld>
             <a:endParaRPr lang="en-DE"/>
           </a:p>
@@ -10657,7 +10657,7 @@
             <a:fld id="{7FF13BA3-4DBD-492F-AF1C-C76B12832872}" type="datetime1">
               <a:rPr lang="de-DE" smtClean="0"/>
               <a:pPr/>
-              <a:t>30.05.25</a:t>
+              <a:t>12.06.25</a:t>
             </a:fld>
             <a:endParaRPr lang="en-DE"/>
           </a:p>
@@ -11267,7 +11267,7 @@
             <a:fld id="{7FF13BA3-4DBD-492F-AF1C-C76B12832872}" type="datetime1">
               <a:rPr lang="de-DE" smtClean="0"/>
               <a:pPr/>
-              <a:t>30.05.25</a:t>
+              <a:t>12.06.25</a:t>
             </a:fld>
             <a:endParaRPr lang="en-DE"/>
           </a:p>
@@ -11624,40 +11624,6 @@
           </a:p>
         </p:txBody>
       </p:sp>
-      <p:pic>
-        <p:nvPicPr>
-          <p:cNvPr id="8" name="Bildplatzhalter 7" descr="Male profile outline">
-            <a:extLst>
-              <a:ext uri="{FF2B5EF4-FFF2-40B4-BE49-F238E27FC236}">
-                <a16:creationId xmlns:a16="http://schemas.microsoft.com/office/drawing/2014/main" id="{333DBE9F-F9FC-E291-7B14-BEDF52DE2C69}"/>
-              </a:ext>
-            </a:extLst>
-          </p:cNvPr>
-          <p:cNvPicPr>
-            <a:picLocks noGrp="1" noChangeAspect="1"/>
-          </p:cNvPicPr>
-          <p:nvPr>
-            <p:ph type="pic" sz="quarter" idx="36"/>
-          </p:nvPr>
-        </p:nvPicPr>
-        <p:blipFill>
-          <a:blip r:embed="rId2">
-            <a:extLst>
-              <a:ext uri="{96DAC541-7B7A-43D3-8B79-37D633B846F1}">
-                <asvg:svgBlip xmlns:asvg="http://schemas.microsoft.com/office/drawing/2016/SVG/main" r:embed="rId3"/>
-              </a:ext>
-            </a:extLst>
-          </a:blip>
-          <a:srcRect/>
-          <a:stretch/>
-        </p:blipFill>
-        <p:spPr>
-          <a:xfrm>
-            <a:off x="666000" y="1223963"/>
-            <a:ext cx="2268000" cy="2267999"/>
-          </a:xfrm>
-        </p:spPr>
-      </p:pic>
       <p:sp>
         <p:nvSpPr>
           <p:cNvPr id="14" name="Content Placeholder 16">
@@ -12286,6 +12252,31 @@
           </a:p>
         </p:txBody>
       </p:sp>
+      <p:pic>
+        <p:nvPicPr>
+          <p:cNvPr id="13" name="Picture Placeholder 12" descr="A person smiling at camera&#10;&#10;AI-generated content may be incorrect.">
+            <a:extLst>
+              <a:ext uri="{FF2B5EF4-FFF2-40B4-BE49-F238E27FC236}">
+                <a16:creationId xmlns:a16="http://schemas.microsoft.com/office/drawing/2014/main" id="{424ADEFB-BA20-3D07-3C52-8CF3F760FA51}"/>
+              </a:ext>
+            </a:extLst>
+          </p:cNvPr>
+          <p:cNvPicPr>
+            <a:picLocks noGrp="1" noChangeAspect="1"/>
+          </p:cNvPicPr>
+          <p:nvPr>
+            <p:ph type="pic" sz="quarter" idx="36"/>
+          </p:nvPr>
+        </p:nvPicPr>
+        <p:blipFill>
+          <a:blip r:embed="rId2"/>
+          <a:srcRect t="8163" b="8163"/>
+          <a:stretch>
+            <a:fillRect/>
+          </a:stretch>
+        </p:blipFill>
+        <p:spPr/>
+      </p:pic>
     </p:spTree>
     <p:extLst>
       <p:ext uri="{BB962C8B-B14F-4D97-AF65-F5344CB8AC3E}">
@@ -12346,7 +12337,7 @@
             <a:fld id="{7FF13BA3-4DBD-492F-AF1C-C76B12832872}" type="datetime1">
               <a:rPr lang="de-DE" smtClean="0"/>
               <a:pPr/>
-              <a:t>30.05.25</a:t>
+              <a:t>12.06.25</a:t>
             </a:fld>
             <a:endParaRPr lang="en-DE"/>
           </a:p>
@@ -12667,40 +12658,6 @@
           </a:p>
         </p:txBody>
       </p:sp>
-      <p:pic>
-        <p:nvPicPr>
-          <p:cNvPr id="8" name="Bildplatzhalter 7" descr="Male profile outline">
-            <a:extLst>
-              <a:ext uri="{FF2B5EF4-FFF2-40B4-BE49-F238E27FC236}">
-                <a16:creationId xmlns:a16="http://schemas.microsoft.com/office/drawing/2014/main" id="{8ADA20EA-A6DB-1FA6-9F29-4206FF3768A4}"/>
-              </a:ext>
-            </a:extLst>
-          </p:cNvPr>
-          <p:cNvPicPr>
-            <a:picLocks noGrp="1" noChangeAspect="1"/>
-          </p:cNvPicPr>
-          <p:nvPr>
-            <p:ph type="pic" sz="quarter" idx="36"/>
-          </p:nvPr>
-        </p:nvPicPr>
-        <p:blipFill>
-          <a:blip r:embed="rId2">
-            <a:extLst>
-              <a:ext uri="{96DAC541-7B7A-43D3-8B79-37D633B846F1}">
-                <asvg:svgBlip xmlns:asvg="http://schemas.microsoft.com/office/drawing/2016/SVG/main" r:embed="rId3"/>
-              </a:ext>
-            </a:extLst>
-          </a:blip>
-          <a:srcRect/>
-          <a:stretch/>
-        </p:blipFill>
-        <p:spPr>
-          <a:xfrm>
-            <a:off x="666000" y="1223963"/>
-            <a:ext cx="2268000" cy="2267999"/>
-          </a:xfrm>
-        </p:spPr>
-      </p:pic>
       <p:sp>
         <p:nvSpPr>
           <p:cNvPr id="14" name="Content Placeholder 16">
@@ -13349,6 +13306,31 @@
           </a:p>
         </p:txBody>
       </p:sp>
+      <p:pic>
+        <p:nvPicPr>
+          <p:cNvPr id="13" name="Picture Placeholder 12" descr="A person smiling at camera&#10;&#10;AI-generated content may be incorrect.">
+            <a:extLst>
+              <a:ext uri="{FF2B5EF4-FFF2-40B4-BE49-F238E27FC236}">
+                <a16:creationId xmlns:a16="http://schemas.microsoft.com/office/drawing/2014/main" id="{7C5A2D60-F62B-5E16-D550-DFB5E4091499}"/>
+              </a:ext>
+            </a:extLst>
+          </p:cNvPr>
+          <p:cNvPicPr>
+            <a:picLocks noGrp="1" noChangeAspect="1"/>
+          </p:cNvPicPr>
+          <p:nvPr>
+            <p:ph type="pic" sz="quarter" idx="36"/>
+          </p:nvPr>
+        </p:nvPicPr>
+        <p:blipFill>
+          <a:blip r:embed="rId2"/>
+          <a:srcRect t="8163" b="8163"/>
+          <a:stretch>
+            <a:fillRect/>
+          </a:stretch>
+        </p:blipFill>
+        <p:spPr/>
+      </p:pic>
     </p:spTree>
     <p:extLst>
       <p:ext uri="{BB962C8B-B14F-4D97-AF65-F5344CB8AC3E}">
@@ -13431,7 +13413,7 @@
             <a:fld id="{2AA97715-E243-44FB-A4DF-8B24568E8B84}" type="datetime1">
               <a:rPr lang="de-DE" smtClean="0"/>
               <a:pPr/>
-              <a:t>30.05.25</a:t>
+              <a:t>12.06.25</a:t>
             </a:fld>
             <a:endParaRPr lang="en-DE"/>
           </a:p>
@@ -15836,6 +15818,15 @@
 </file>
 
 <file path=customXml/item2.xml><?xml version="1.0" encoding="utf-8"?>
+<?mso-contentType ?>
+<FormTemplates xmlns="http://schemas.microsoft.com/sharepoint/v3/contenttype/forms">
+  <Display>DocumentLibraryForm</Display>
+  <Edit>DocumentLibraryForm</Edit>
+  <New>DocumentLibraryForm</New>
+</FormTemplates>
+</file>
+
+<file path=customXml/item3.xml><?xml version="1.0" encoding="utf-8"?>
 <p:properties xmlns:p="http://schemas.microsoft.com/office/2006/metadata/properties" xmlns:xsi="http://www.w3.org/2001/XMLSchema-instance" xmlns:pc="http://schemas.microsoft.com/office/infopath/2007/PartnerControls">
   <documentManagement>
     <lcf76f155ced4ddcb4097134ff3c332f xmlns="c70c37c3-6fe6-4316-bb79-6c535e774478">
@@ -15860,15 +15851,6 @@
 </p:properties>
 </file>
 
-<file path=customXml/item3.xml><?xml version="1.0" encoding="utf-8"?>
-<?mso-contentType ?>
-<FormTemplates xmlns="http://schemas.microsoft.com/sharepoint/v3/contenttype/forms">
-  <Display>DocumentLibraryForm</Display>
-  <Edit>DocumentLibraryForm</Edit>
-  <New>DocumentLibraryForm</New>
-</FormTemplates>
-</file>
-
 <file path=customXml/itemProps1.xml><?xml version="1.0" encoding="utf-8"?>
 <ds:datastoreItem xmlns:ds="http://schemas.openxmlformats.org/officeDocument/2006/customXml" ds:itemID="{AAED0378-9A7B-4E90-B63C-2A5B8CDCAE19}">
   <ds:schemaRefs>
@@ -15889,6 +15871,14 @@
 </file>
 
 <file path=customXml/itemProps2.xml><?xml version="1.0" encoding="utf-8"?>
+<ds:datastoreItem xmlns:ds="http://schemas.openxmlformats.org/officeDocument/2006/customXml" ds:itemID="{41105344-4E4D-4A05-949C-9504BEA8045B}">
+  <ds:schemaRefs>
+    <ds:schemaRef ds:uri="http://schemas.microsoft.com/sharepoint/v3/contenttype/forms"/>
+  </ds:schemaRefs>
+</ds:datastoreItem>
+</file>
+
+<file path=customXml/itemProps3.xml><?xml version="1.0" encoding="utf-8"?>
 <ds:datastoreItem xmlns:ds="http://schemas.openxmlformats.org/officeDocument/2006/customXml" ds:itemID="{9183A819-51AB-478F-855E-A0B89FBD5DC9}">
   <ds:schemaRefs>
     <ds:schemaRef ds:uri="http://schemas.microsoft.com/office/2006/metadata/properties"/>
@@ -15907,12 +15897,4 @@
     <ds:schemaRef ds:uri="f247cc86-41ce-4e54-895f-61d07d03751e"/>
   </ds:schemaRefs>
 </ds:datastoreItem>
-</file>
-
-<file path=customXml/itemProps3.xml><?xml version="1.0" encoding="utf-8"?>
-<ds:datastoreItem xmlns:ds="http://schemas.openxmlformats.org/officeDocument/2006/customXml" ds:itemID="{41105344-4E4D-4A05-949C-9504BEA8045B}">
-  <ds:schemaRefs>
-    <ds:schemaRef ds:uri="http://schemas.microsoft.com/sharepoint/v3/contenttype/forms"/>
-  </ds:schemaRefs>
-</ds:datastoreItem>
 </file>